--- a/Github ppt coderhouse.pptx
+++ b/Github ppt coderhouse.pptx
@@ -146,6 +146,9 @@
         </p14:section>
       </p14:sectionLst>
     </p:ext>
+    <p:ext uri="{EFAFB233-063F-42B5-8137-9DF3F51BA10A}">
+      <p15:sldGuideLst xmlns:p15="http://schemas.microsoft.com/office/powerpoint/2012/main"/>
+    </p:ext>
   </p:extLst>
 </p:presentation>
 </file>
@@ -163,7 +166,7 @@
   <pc:docChgLst>
     <pc:chgData name="Sebastian Andres Ulloa Quezada" userId="e3cba82caada5b63" providerId="LiveId" clId="{3C7E06A8-FF6C-4344-9D95-AF948F8B7F46}"/>
     <pc:docChg chg="undo custSel addSld delSld modSld sldOrd modSection">
-      <pc:chgData name="Sebastian Andres Ulloa Quezada" userId="e3cba82caada5b63" providerId="LiveId" clId="{3C7E06A8-FF6C-4344-9D95-AF948F8B7F46}" dt="2022-02-10T22:09:21.725" v="50" actId="47"/>
+      <pc:chgData name="Sebastian Andres Ulloa Quezada" userId="e3cba82caada5b63" providerId="LiveId" clId="{3C7E06A8-FF6C-4344-9D95-AF948F8B7F46}" dt="2022-02-10T23:26:59.508" v="51" actId="207"/>
       <pc:docMkLst>
         <pc:docMk/>
       </pc:docMkLst>
@@ -243,12 +246,20 @@
           </ac:spMkLst>
         </pc:spChg>
       </pc:sldChg>
-      <pc:sldChg chg="ord">
-        <pc:chgData name="Sebastian Andres Ulloa Quezada" userId="e3cba82caada5b63" providerId="LiveId" clId="{3C7E06A8-FF6C-4344-9D95-AF948F8B7F46}" dt="2022-02-10T22:09:08.374" v="47"/>
+      <pc:sldChg chg="modSp mod ord">
+        <pc:chgData name="Sebastian Andres Ulloa Quezada" userId="e3cba82caada5b63" providerId="LiveId" clId="{3C7E06A8-FF6C-4344-9D95-AF948F8B7F46}" dt="2022-02-10T23:26:59.508" v="51" actId="207"/>
         <pc:sldMkLst>
           <pc:docMk/>
           <pc:sldMk cId="2811105210" sldId="273"/>
         </pc:sldMkLst>
+        <pc:spChg chg="mod">
+          <ac:chgData name="Sebastian Andres Ulloa Quezada" userId="e3cba82caada5b63" providerId="LiveId" clId="{3C7E06A8-FF6C-4344-9D95-AF948F8B7F46}" dt="2022-02-10T23:26:59.508" v="51" actId="207"/>
+          <ac:spMkLst>
+            <pc:docMk/>
+            <pc:sldMk cId="2811105210" sldId="273"/>
+            <ac:spMk id="3" creationId="{135281A5-3D1A-4369-A1E3-0206CD63B9DE}"/>
+          </ac:spMkLst>
+        </pc:spChg>
       </pc:sldChg>
       <pc:sldChg chg="del ord">
         <pc:chgData name="Sebastian Andres Ulloa Quezada" userId="e3cba82caada5b63" providerId="LiveId" clId="{3C7E06A8-FF6C-4344-9D95-AF948F8B7F46}" dt="2022-02-10T22:09:21.725" v="50" actId="47"/>
@@ -4489,7 +4500,11 @@
           <a:lstStyle/>
           <a:p>
             <a:r>
-              <a:rPr lang="es-ES" dirty="0"/>
+              <a:rPr lang="es-ES" dirty="0">
+                <a:solidFill>
+                  <a:srgbClr val="FF0000"/>
+                </a:solidFill>
+              </a:rPr>
               <a:t>Todos los desarrolladores tienen una copia completa del repositorio </a:t>
             </a:r>
           </a:p>
